--- a/content/Monster Hunt Game.pptx
+++ b/content/Monster Hunt Game.pptx
@@ -3016,7 +3016,7 @@
         <a:solidFill>
           <a:schemeClr val="accent3">
             <a:lumMod val="75000"/>
-            <a:alpha val="67000"/>
+            <a:alpha val="26000"/>
           </a:schemeClr>
         </a:solidFill>
         <a:effectLst/>
@@ -3600,24 +3600,77 @@
           <a:lstStyle/>
           <a:p>
             <a:r>
-              <a:rPr lang="en-US" dirty="0" smtClean="0"/>
-              <a:t>The story of the game Monster Hunt:</a:t>
-            </a:r>
-            <a:endParaRPr lang="bg-BG" dirty="0" smtClean="0"/>
-          </a:p>
-          <a:p>
-            <a:r>
-              <a:rPr lang="en-US" dirty="0"/>
+              <a:rPr lang="en-US" dirty="0" smtClean="0">
+                <a:solidFill>
+                  <a:schemeClr val="tx1">
+                    <a:lumMod val="65000"/>
+                    <a:lumOff val="35000"/>
+                  </a:schemeClr>
+                </a:solidFill>
+              </a:rPr>
+              <a:t>Th</a:t>
+            </a:r>
+            <a:r>
+              <a:rPr lang="en-US" dirty="0">
+                <a:solidFill>
+                  <a:schemeClr val="tx1">
+                    <a:lumMod val="65000"/>
+                    <a:lumOff val="35000"/>
+                  </a:schemeClr>
+                </a:solidFill>
+              </a:rPr>
+              <a:t>e story of the game Monster Hunt:</a:t>
+            </a:r>
+            <a:endParaRPr lang="bg-BG" dirty="0">
+              <a:solidFill>
+                <a:schemeClr val="tx1">
+                  <a:lumMod val="65000"/>
+                  <a:lumOff val="35000"/>
+                </a:schemeClr>
+              </a:solidFill>
+            </a:endParaRPr>
+          </a:p>
+          <a:p>
+            <a:r>
+              <a:rPr lang="en-US" dirty="0">
+                <a:solidFill>
+                  <a:schemeClr val="tx1">
+                    <a:lumMod val="65000"/>
+                    <a:lumOff val="35000"/>
+                  </a:schemeClr>
+                </a:solidFill>
+              </a:rPr>
               <a:t>∞</a:t>
             </a:r>
-            <a:endParaRPr lang="bg-BG" dirty="0" smtClean="0"/>
-          </a:p>
-          <a:p>
-            <a:r>
-              <a:rPr lang="en-US" dirty="0" smtClean="0"/>
+            <a:endParaRPr lang="bg-BG" dirty="0">
+              <a:solidFill>
+                <a:schemeClr val="tx1">
+                  <a:lumMod val="65000"/>
+                  <a:lumOff val="35000"/>
+                </a:schemeClr>
+              </a:solidFill>
+            </a:endParaRPr>
+          </a:p>
+          <a:p>
+            <a:r>
+              <a:rPr lang="en-US" dirty="0">
+                <a:solidFill>
+                  <a:schemeClr val="tx1">
+                    <a:lumMod val="65000"/>
+                    <a:lumOff val="35000"/>
+                  </a:schemeClr>
+                </a:solidFill>
+              </a:rPr>
               <a:t>A hero must capture 100 monsters for minimal time. Then the game is over.</a:t>
             </a:r>
-            <a:endParaRPr lang="bg-BG" dirty="0"/>
+            <a:endParaRPr lang="bg-BG" dirty="0">
+              <a:solidFill>
+                <a:schemeClr val="tx1">
+                  <a:lumMod val="65000"/>
+                  <a:lumOff val="35000"/>
+                </a:schemeClr>
+              </a:solidFill>
+            </a:endParaRPr>
           </a:p>
         </p:txBody>
       </p:sp>
@@ -4368,10 +4421,11 @@
               <a:rPr lang="en-US" sz="2800" dirty="0" smtClean="0"/>
             </a:br>
             <a:r>
-              <a:rPr lang="en-US" sz="2800" dirty="0">
-                <a:solidFill>
-                  <a:schemeClr val="tx1">
-                    <a:tint val="75000"/>
+              <a:rPr lang="en-US" sz="3200" dirty="0">
+                <a:solidFill>
+                  <a:schemeClr val="tx1">
+                    <a:lumMod val="65000"/>
+                    <a:lumOff val="35000"/>
                   </a:schemeClr>
                 </a:solidFill>
                 <a:latin typeface="+mn-lt"/>
@@ -4381,10 +4435,11 @@
               <a:t>The game has 3 levels, depending on the number of captured </a:t>
             </a:r>
             <a:r>
-              <a:rPr lang="en-US" sz="2800" dirty="0" smtClean="0">
-                <a:solidFill>
-                  <a:schemeClr val="tx1">
-                    <a:tint val="75000"/>
+              <a:rPr lang="en-US" sz="3200" dirty="0">
+                <a:solidFill>
+                  <a:schemeClr val="tx1">
+                    <a:lumMod val="65000"/>
+                    <a:lumOff val="35000"/>
                   </a:schemeClr>
                 </a:solidFill>
                 <a:latin typeface="+mn-lt"/>
@@ -4394,10 +4449,11 @@
               <a:t>monsters</a:t>
             </a:r>
             <a:r>
-              <a:rPr lang="bg-BG" sz="2800" dirty="0">
-                <a:solidFill>
-                  <a:schemeClr val="tx1">
-                    <a:tint val="75000"/>
+              <a:rPr lang="bg-BG" sz="3200" dirty="0">
+                <a:solidFill>
+                  <a:schemeClr val="tx1">
+                    <a:lumMod val="65000"/>
+                    <a:lumOff val="35000"/>
                   </a:schemeClr>
                 </a:solidFill>
                 <a:latin typeface="+mn-lt"/>
@@ -4448,7 +4504,7 @@
                             </p:stCondLst>
                             <p:childTnLst>
                               <p:par>
-                                <p:cTn id="5" presetID="1" presetClass="entr" presetSubtype="0" fill="hold" nodeType="clickEffect">
+                                <p:cTn id="5" presetID="42" presetClass="entr" presetSubtype="0" fill="hold" grpId="0" nodeType="clickEffect">
                                   <p:stCondLst>
                                     <p:cond delay="0"/>
                                   </p:stCondLst>
@@ -4461,52 +4517,7 @@
                                           </p:stCondLst>
                                         </p:cTn>
                                         <p:tgtEl>
-                                          <p:spTgt spid="1027"/>
-                                        </p:tgtEl>
-                                        <p:attrNameLst>
-                                          <p:attrName>style.visibility</p:attrName>
-                                        </p:attrNameLst>
-                                      </p:cBhvr>
-                                      <p:to>
-                                        <p:strVal val="visible"/>
-                                      </p:to>
-                                    </p:set>
-                                  </p:childTnLst>
-                                </p:cTn>
-                              </p:par>
-                            </p:childTnLst>
-                          </p:cTn>
-                        </p:par>
-                      </p:childTnLst>
-                    </p:cTn>
-                  </p:par>
-                  <p:par>
-                    <p:cTn id="7" fill="hold">
-                      <p:stCondLst>
-                        <p:cond delay="indefinite"/>
-                      </p:stCondLst>
-                      <p:childTnLst>
-                        <p:par>
-                          <p:cTn id="8" fill="hold">
-                            <p:stCondLst>
-                              <p:cond delay="0"/>
-                            </p:stCondLst>
-                            <p:childTnLst>
-                              <p:par>
-                                <p:cTn id="9" presetID="42" presetClass="entr" presetSubtype="0" fill="hold" nodeType="clickEffect">
-                                  <p:stCondLst>
-                                    <p:cond delay="0"/>
-                                  </p:stCondLst>
-                                  <p:childTnLst>
-                                    <p:set>
-                                      <p:cBhvr>
-                                        <p:cTn id="10" dur="1" fill="hold">
-                                          <p:stCondLst>
-                                            <p:cond delay="0"/>
-                                          </p:stCondLst>
-                                        </p:cTn>
-                                        <p:tgtEl>
-                                          <p:spTgt spid="1028"/>
+                                          <p:spTgt spid="4"/>
                                         </p:tgtEl>
                                         <p:attrNameLst>
                                           <p:attrName>style.visibility</p:attrName>
@@ -4518,17 +4529,17 @@
                                     </p:set>
                                     <p:animEffect transition="in" filter="fade">
                                       <p:cBhvr>
-                                        <p:cTn id="11" dur="1000"/>
+                                        <p:cTn id="7" dur="1000"/>
                                         <p:tgtEl>
-                                          <p:spTgt spid="1028"/>
+                                          <p:spTgt spid="4"/>
                                         </p:tgtEl>
                                       </p:cBhvr>
                                     </p:animEffect>
                                     <p:anim calcmode="lin" valueType="num">
                                       <p:cBhvr>
-                                        <p:cTn id="12" dur="1000" fill="hold"/>
+                                        <p:cTn id="8" dur="1000" fill="hold"/>
                                         <p:tgtEl>
-                                          <p:spTgt spid="1028"/>
+                                          <p:spTgt spid="4"/>
                                         </p:tgtEl>
                                         <p:attrNameLst>
                                           <p:attrName>ppt_x</p:attrName>
@@ -4549,9 +4560,9 @@
                                     </p:anim>
                                     <p:anim calcmode="lin" valueType="num">
                                       <p:cBhvr>
-                                        <p:cTn id="13" dur="1000" fill="hold"/>
+                                        <p:cTn id="9" dur="1000" fill="hold"/>
                                         <p:tgtEl>
-                                          <p:spTgt spid="1028"/>
+                                          <p:spTgt spid="4"/>
                                         </p:tgtEl>
                                         <p:attrNameLst>
                                           <p:attrName>ppt_y</p:attrName>
@@ -4580,85 +4591,32 @@
                     </p:cTn>
                   </p:par>
                   <p:par>
-                    <p:cTn id="14" fill="hold">
+                    <p:cTn id="10" fill="hold">
                       <p:stCondLst>
                         <p:cond delay="indefinite"/>
                       </p:stCondLst>
                       <p:childTnLst>
                         <p:par>
-                          <p:cTn id="15" fill="hold">
+                          <p:cTn id="11" fill="hold">
                             <p:stCondLst>
                               <p:cond delay="0"/>
                             </p:stCondLst>
                             <p:childTnLst>
                               <p:par>
-                                <p:cTn id="16" presetID="16" presetClass="entr" presetSubtype="21" fill="hold" nodeType="clickEffect">
+                                <p:cTn id="12" presetID="2" presetClass="entr" presetSubtype="4" fill="hold" nodeType="clickEffect">
                                   <p:stCondLst>
-                                    <p:cond delay="0"/>
+                                    <p:cond delay="250"/>
                                   </p:stCondLst>
                                   <p:childTnLst>
                                     <p:set>
                                       <p:cBhvr>
-                                        <p:cTn id="17" dur="1" fill="hold">
+                                        <p:cTn id="13" dur="1" fill="hold">
                                           <p:stCondLst>
                                             <p:cond delay="0"/>
                                           </p:stCondLst>
                                         </p:cTn>
                                         <p:tgtEl>
-                                          <p:spTgt spid="9"/>
-                                        </p:tgtEl>
-                                        <p:attrNameLst>
-                                          <p:attrName>style.visibility</p:attrName>
-                                        </p:attrNameLst>
-                                      </p:cBhvr>
-                                      <p:to>
-                                        <p:strVal val="visible"/>
-                                      </p:to>
-                                    </p:set>
-                                    <p:animEffect transition="in" filter="barn(inVertical)">
-                                      <p:cBhvr>
-                                        <p:cTn id="18" dur="500"/>
-                                        <p:tgtEl>
-                                          <p:spTgt spid="9"/>
-                                        </p:tgtEl>
-                                      </p:cBhvr>
-                                    </p:animEffect>
-                                  </p:childTnLst>
-                                </p:cTn>
-                              </p:par>
-                            </p:childTnLst>
-                          </p:cTn>
-                        </p:par>
-                      </p:childTnLst>
-                    </p:cTn>
-                  </p:par>
-                  <p:par>
-                    <p:cTn id="19" fill="hold">
-                      <p:stCondLst>
-                        <p:cond delay="indefinite"/>
-                      </p:stCondLst>
-                      <p:childTnLst>
-                        <p:par>
-                          <p:cTn id="20" fill="hold">
-                            <p:stCondLst>
-                              <p:cond delay="0"/>
-                            </p:stCondLst>
-                            <p:childTnLst>
-                              <p:par>
-                                <p:cTn id="21" presetID="2" presetClass="entr" presetSubtype="4" fill="hold" grpId="0" nodeType="clickEffect">
-                                  <p:stCondLst>
-                                    <p:cond delay="0"/>
-                                  </p:stCondLst>
-                                  <p:childTnLst>
-                                    <p:set>
-                                      <p:cBhvr>
-                                        <p:cTn id="22" dur="1" fill="hold">
-                                          <p:stCondLst>
-                                            <p:cond delay="0"/>
-                                          </p:stCondLst>
-                                        </p:cTn>
-                                        <p:tgtEl>
-                                          <p:spTgt spid="4"/>
+                                          <p:spTgt spid="1027"/>
                                         </p:tgtEl>
                                         <p:attrNameLst>
                                           <p:attrName>style.visibility</p:attrName>
@@ -4670,9 +4628,9 @@
                                     </p:set>
                                     <p:anim calcmode="lin" valueType="num">
                                       <p:cBhvr additive="base">
-                                        <p:cTn id="23" dur="500" fill="hold"/>
+                                        <p:cTn id="14" dur="500" fill="hold"/>
                                         <p:tgtEl>
-                                          <p:spTgt spid="4"/>
+                                          <p:spTgt spid="1027"/>
                                         </p:tgtEl>
                                         <p:attrNameLst>
                                           <p:attrName>ppt_x</p:attrName>
@@ -4693,9 +4651,9 @@
                                     </p:anim>
                                     <p:anim calcmode="lin" valueType="num">
                                       <p:cBhvr additive="base">
-                                        <p:cTn id="24" dur="500" fill="hold"/>
+                                        <p:cTn id="15" dur="500" fill="hold"/>
                                         <p:tgtEl>
-                                          <p:spTgt spid="4"/>
+                                          <p:spTgt spid="1027"/>
                                         </p:tgtEl>
                                         <p:attrNameLst>
                                           <p:attrName>ppt_y</p:attrName>
@@ -4714,6 +4672,150 @@
                                         </p:tav>
                                       </p:tavLst>
                                     </p:anim>
+                                  </p:childTnLst>
+                                </p:cTn>
+                              </p:par>
+                            </p:childTnLst>
+                          </p:cTn>
+                        </p:par>
+                      </p:childTnLst>
+                    </p:cTn>
+                  </p:par>
+                  <p:par>
+                    <p:cTn id="16" fill="hold">
+                      <p:stCondLst>
+                        <p:cond delay="indefinite"/>
+                      </p:stCondLst>
+                      <p:childTnLst>
+                        <p:par>
+                          <p:cTn id="17" fill="hold">
+                            <p:stCondLst>
+                              <p:cond delay="0"/>
+                            </p:stCondLst>
+                            <p:childTnLst>
+                              <p:par>
+                                <p:cTn id="18" presetID="2" presetClass="entr" presetSubtype="4" fill="hold" nodeType="clickEffect">
+                                  <p:stCondLst>
+                                    <p:cond delay="250"/>
+                                  </p:stCondLst>
+                                  <p:childTnLst>
+                                    <p:set>
+                                      <p:cBhvr>
+                                        <p:cTn id="19" dur="1" fill="hold">
+                                          <p:stCondLst>
+                                            <p:cond delay="0"/>
+                                          </p:stCondLst>
+                                        </p:cTn>
+                                        <p:tgtEl>
+                                          <p:spTgt spid="1028"/>
+                                        </p:tgtEl>
+                                        <p:attrNameLst>
+                                          <p:attrName>style.visibility</p:attrName>
+                                        </p:attrNameLst>
+                                      </p:cBhvr>
+                                      <p:to>
+                                        <p:strVal val="visible"/>
+                                      </p:to>
+                                    </p:set>
+                                    <p:anim calcmode="lin" valueType="num">
+                                      <p:cBhvr additive="base">
+                                        <p:cTn id="20" dur="500" fill="hold"/>
+                                        <p:tgtEl>
+                                          <p:spTgt spid="1028"/>
+                                        </p:tgtEl>
+                                        <p:attrNameLst>
+                                          <p:attrName>ppt_x</p:attrName>
+                                        </p:attrNameLst>
+                                      </p:cBhvr>
+                                      <p:tavLst>
+                                        <p:tav tm="0">
+                                          <p:val>
+                                            <p:strVal val="#ppt_x"/>
+                                          </p:val>
+                                        </p:tav>
+                                        <p:tav tm="100000">
+                                          <p:val>
+                                            <p:strVal val="#ppt_x"/>
+                                          </p:val>
+                                        </p:tav>
+                                      </p:tavLst>
+                                    </p:anim>
+                                    <p:anim calcmode="lin" valueType="num">
+                                      <p:cBhvr additive="base">
+                                        <p:cTn id="21" dur="500" fill="hold"/>
+                                        <p:tgtEl>
+                                          <p:spTgt spid="1028"/>
+                                        </p:tgtEl>
+                                        <p:attrNameLst>
+                                          <p:attrName>ppt_y</p:attrName>
+                                        </p:attrNameLst>
+                                      </p:cBhvr>
+                                      <p:tavLst>
+                                        <p:tav tm="0">
+                                          <p:val>
+                                            <p:strVal val="1+#ppt_h/2"/>
+                                          </p:val>
+                                        </p:tav>
+                                        <p:tav tm="100000">
+                                          <p:val>
+                                            <p:strVal val="#ppt_y"/>
+                                          </p:val>
+                                        </p:tav>
+                                      </p:tavLst>
+                                    </p:anim>
+                                  </p:childTnLst>
+                                </p:cTn>
+                              </p:par>
+                            </p:childTnLst>
+                          </p:cTn>
+                        </p:par>
+                      </p:childTnLst>
+                    </p:cTn>
+                  </p:par>
+                  <p:par>
+                    <p:cTn id="22" fill="hold">
+                      <p:stCondLst>
+                        <p:cond delay="indefinite"/>
+                      </p:stCondLst>
+                      <p:childTnLst>
+                        <p:par>
+                          <p:cTn id="23" fill="hold">
+                            <p:stCondLst>
+                              <p:cond delay="0"/>
+                            </p:stCondLst>
+                            <p:childTnLst>
+                              <p:par>
+                                <p:cTn id="24" presetID="16" presetClass="entr" presetSubtype="21" fill="hold" nodeType="clickEffect">
+                                  <p:stCondLst>
+                                    <p:cond delay="250"/>
+                                  </p:stCondLst>
+                                  <p:childTnLst>
+                                    <p:set>
+                                      <p:cBhvr>
+                                        <p:cTn id="25" dur="1" fill="hold">
+                                          <p:stCondLst>
+                                            <p:cond delay="0"/>
+                                          </p:stCondLst>
+                                        </p:cTn>
+                                        <p:tgtEl>
+                                          <p:spTgt spid="9"/>
+                                        </p:tgtEl>
+                                        <p:attrNameLst>
+                                          <p:attrName>style.visibility</p:attrName>
+                                        </p:attrNameLst>
+                                      </p:cBhvr>
+                                      <p:to>
+                                        <p:strVal val="visible"/>
+                                      </p:to>
+                                    </p:set>
+                                    <p:animEffect transition="in" filter="barn(inVertical)">
+                                      <p:cBhvr>
+                                        <p:cTn id="26" dur="500"/>
+                                        <p:tgtEl>
+                                          <p:spTgt spid="9"/>
+                                        </p:tgtEl>
+                                      </p:cBhvr>
+                                    </p:animEffect>
                                   </p:childTnLst>
                                 </p:cTn>
                               </p:par>
@@ -4855,22 +4957,52 @@
           <a:lstStyle/>
           <a:p>
             <a:r>
-              <a:rPr lang="en-US" sz="2800" dirty="0" smtClean="0">
-                <a:solidFill>
-                  <a:schemeClr val="tx1">
-                    <a:tint val="75000"/>
+              <a:rPr lang="en-US" sz="3200" dirty="0">
+                <a:solidFill>
+                  <a:schemeClr val="tx1">
+                    <a:lumMod val="65000"/>
+                    <a:lumOff val="35000"/>
                   </a:schemeClr>
                 </a:solidFill>
                 <a:latin typeface="+mn-lt"/>
                 <a:ea typeface="+mn-ea"/>
                 <a:cs typeface="+mn-cs"/>
               </a:rPr>
-              <a:t>The background of the game is added a melody, as well as other sound capture the monster.</a:t>
-            </a:r>
-            <a:endParaRPr lang="bg-BG" sz="2800" dirty="0">
+              <a:t>T</a:t>
+            </a:r>
+            <a:r>
+              <a:rPr lang="en-US" sz="3200" dirty="0">
+                <a:solidFill>
+                  <a:schemeClr val="tx1">
+                    <a:lumMod val="65000"/>
+                    <a:lumOff val="35000"/>
+                  </a:schemeClr>
+                </a:solidFill>
+                <a:latin typeface="+mn-lt"/>
+                <a:ea typeface="+mn-ea"/>
+                <a:cs typeface="+mn-cs"/>
+              </a:rPr>
+              <a:t>he</a:t>
+            </a:r>
+            <a:r>
+              <a:rPr lang="en-US" sz="3200" dirty="0">
+                <a:solidFill>
+                  <a:schemeClr val="tx1">
+                    <a:lumMod val="65000"/>
+                    <a:lumOff val="35000"/>
+                  </a:schemeClr>
+                </a:solidFill>
+                <a:latin typeface="+mn-lt"/>
+                <a:ea typeface="+mn-ea"/>
+                <a:cs typeface="+mn-cs"/>
+              </a:rPr>
+              <a:t> background of the game is added a melody, as well as other sound capture the monster.</a:t>
+            </a:r>
+            <a:endParaRPr lang="bg-BG" sz="3200" dirty="0">
               <a:solidFill>
                 <a:schemeClr val="tx1">
-                  <a:tint val="75000"/>
+                  <a:lumMod val="65000"/>
+                  <a:lumOff val="35000"/>
                 </a:schemeClr>
               </a:solidFill>
               <a:latin typeface="+mn-lt"/>
@@ -4902,45 +5034,31 @@
             <a:normAutofit/>
           </a:bodyPr>
           <a:lstStyle>
-            <a:lvl1pPr algn="ctr" defTabSz="914400" rtl="0" eaLnBrk="1" latinLnBrk="0" hangingPunct="1">
+            <a:defPPr>
+              <a:defRPr lang="bg-BG"/>
+            </a:defPPr>
+            <a:lvl1pPr algn="ctr">
               <a:spcBef>
                 <a:spcPct val="0"/>
               </a:spcBef>
               <a:buNone/>
-              <a:defRPr sz="4400" kern="1200">
-                <a:solidFill>
-                  <a:schemeClr val="tx1"/>
-                </a:solidFill>
-                <a:latin typeface="+mj-lt"/>
-                <a:ea typeface="+mj-ea"/>
-                <a:cs typeface="+mj-cs"/>
+              <a:defRPr sz="3200">
+                <a:solidFill>
+                  <a:schemeClr val="tx1">
+                    <a:lumMod val="65000"/>
+                    <a:lumOff val="35000"/>
+                  </a:schemeClr>
+                </a:solidFill>
               </a:defRPr>
             </a:lvl1pPr>
           </a:lstStyle>
           <a:p>
             <a:r>
-              <a:rPr lang="en-US" sz="2800" dirty="0" smtClean="0">
-                <a:solidFill>
-                  <a:schemeClr val="tx1">
-                    <a:tint val="75000"/>
-                  </a:schemeClr>
-                </a:solidFill>
-                <a:latin typeface="+mn-lt"/>
-                <a:ea typeface="+mn-ea"/>
-                <a:cs typeface="+mn-cs"/>
-              </a:rPr>
+              <a:rPr lang="en-US" dirty="0"/>
               <a:t>Now is the time for demonstration </a:t>
             </a:r>
             <a:r>
-              <a:rPr lang="en-US" sz="2800" dirty="0" smtClean="0">
-                <a:solidFill>
-                  <a:schemeClr val="tx1">
-                    <a:tint val="75000"/>
-                  </a:schemeClr>
-                </a:solidFill>
-                <a:latin typeface="+mn-lt"/>
-                <a:ea typeface="+mn-ea"/>
-                <a:cs typeface="+mn-cs"/>
+              <a:rPr lang="en-US" dirty="0">
                 <a:sym typeface="Wingdings" pitchFamily="2" charset="2"/>
               </a:rPr>
               <a:t></a:t>
@@ -5268,370 +5386,524 @@
               </a:spcAft>
             </a:pPr>
             <a:r>
-              <a:rPr lang="en-US" sz="3600" dirty="0" smtClean="0">
-                <a:solidFill>
-                  <a:schemeClr val="tx1">
-                    <a:tint val="75000"/>
-                  </a:schemeClr>
-                </a:solidFill>
+              <a:rPr lang="en-US" sz="3600" dirty="0">
+                <a:solidFill>
+                  <a:schemeClr val="tx1">
+                    <a:lumMod val="65000"/>
+                    <a:lumOff val="35000"/>
+                  </a:schemeClr>
+                </a:solidFill>
+                <a:latin typeface="+mn-lt"/>
+                <a:ea typeface="+mn-ea"/>
+                <a:cs typeface="+mn-cs"/>
               </a:rPr>
-              <a:t>Team</a:t>
-            </a:r>
-            <a:r>
-              <a:rPr lang="bg-BG" sz="3600" dirty="0" smtClean="0">
-                <a:solidFill>
-                  <a:schemeClr val="tx1">
-                    <a:tint val="75000"/>
-                  </a:schemeClr>
-                </a:solidFill>
+              <a:t>Tea</a:t>
+            </a:r>
+            <a:r>
+              <a:rPr lang="en-US" sz="3600" dirty="0">
+                <a:solidFill>
+                  <a:schemeClr val="tx1">
+                    <a:lumMod val="65000"/>
+                    <a:lumOff val="35000"/>
+                  </a:schemeClr>
+                </a:solidFill>
+                <a:latin typeface="+mn-lt"/>
+                <a:ea typeface="+mn-ea"/>
+                <a:cs typeface="+mn-cs"/>
+              </a:rPr>
+              <a:t>m</a:t>
+            </a:r>
+            <a:r>
+              <a:rPr lang="bg-BG" sz="3600" dirty="0">
+                <a:solidFill>
+                  <a:schemeClr val="tx1">
+                    <a:lumMod val="65000"/>
+                    <a:lumOff val="35000"/>
+                  </a:schemeClr>
+                </a:solidFill>
+                <a:latin typeface="+mn-lt"/>
+                <a:ea typeface="+mn-ea"/>
+                <a:cs typeface="+mn-cs"/>
               </a:rPr>
               <a:t> </a:t>
             </a:r>
             <a:r>
-              <a:rPr lang="en-US" sz="3600" dirty="0" smtClean="0">
-                <a:solidFill>
-                  <a:schemeClr val="tx1">
-                    <a:tint val="75000"/>
-                  </a:schemeClr>
-                </a:solidFill>
+              <a:rPr lang="en-US" sz="3600" dirty="0">
+                <a:solidFill>
+                  <a:schemeClr val="tx1">
+                    <a:lumMod val="65000"/>
+                    <a:lumOff val="35000"/>
+                  </a:schemeClr>
+                </a:solidFill>
+                <a:latin typeface="+mn-lt"/>
+                <a:ea typeface="+mn-ea"/>
+                <a:cs typeface="+mn-cs"/>
               </a:rPr>
               <a:t>Members</a:t>
             </a:r>
             <a:r>
-              <a:rPr lang="bg-BG" sz="3600" dirty="0" smtClean="0">
-                <a:solidFill>
-                  <a:schemeClr val="tx1">
-                    <a:tint val="75000"/>
-                  </a:schemeClr>
-                </a:solidFill>
+              <a:rPr lang="bg-BG" sz="3600" dirty="0">
+                <a:solidFill>
+                  <a:schemeClr val="tx1">
+                    <a:lumMod val="65000"/>
+                    <a:lumOff val="35000"/>
+                  </a:schemeClr>
+                </a:solidFill>
+                <a:latin typeface="+mn-lt"/>
+                <a:ea typeface="+mn-ea"/>
+                <a:cs typeface="+mn-cs"/>
               </a:rPr>
               <a:t>: </a:t>
             </a:r>
             <a:r>
-              <a:rPr lang="en-US" sz="3600" dirty="0" smtClean="0">
-                <a:solidFill>
-                  <a:schemeClr val="tx1">
-                    <a:tint val="75000"/>
-                  </a:schemeClr>
-                </a:solidFill>
+              <a:rPr lang="en-US" sz="3600" dirty="0">
+                <a:solidFill>
+                  <a:schemeClr val="tx1">
+                    <a:lumMod val="65000"/>
+                    <a:lumOff val="35000"/>
+                  </a:schemeClr>
+                </a:solidFill>
+                <a:latin typeface="+mn-lt"/>
+                <a:ea typeface="+mn-ea"/>
+                <a:cs typeface="+mn-cs"/>
               </a:rPr>
               <a:t/>
             </a:r>
             <a:br>
-              <a:rPr lang="en-US" sz="3600" dirty="0" smtClean="0">
-                <a:solidFill>
-                  <a:schemeClr val="tx1">
-                    <a:tint val="75000"/>
-                  </a:schemeClr>
-                </a:solidFill>
+              <a:rPr lang="en-US" sz="3600" dirty="0">
+                <a:solidFill>
+                  <a:schemeClr val="tx1">
+                    <a:lumMod val="65000"/>
+                    <a:lumOff val="35000"/>
+                  </a:schemeClr>
+                </a:solidFill>
+                <a:latin typeface="+mn-lt"/>
+                <a:ea typeface="+mn-ea"/>
+                <a:cs typeface="+mn-cs"/>
               </a:rPr>
             </a:br>
             <a:r>
-              <a:rPr lang="bg-BG" dirty="0" smtClean="0">
-                <a:solidFill>
-                  <a:schemeClr val="tx1">
-                    <a:tint val="75000"/>
-                  </a:schemeClr>
-                </a:solidFill>
+              <a:rPr lang="bg-BG" sz="3600" dirty="0">
+                <a:solidFill>
+                  <a:schemeClr val="tx1">
+                    <a:lumMod val="65000"/>
+                    <a:lumOff val="35000"/>
+                  </a:schemeClr>
+                </a:solidFill>
+                <a:latin typeface="+mn-lt"/>
+                <a:ea typeface="+mn-ea"/>
+                <a:cs typeface="+mn-cs"/>
               </a:rPr>
               <a:t/>
             </a:r>
             <a:br>
-              <a:rPr lang="bg-BG" dirty="0" smtClean="0">
-                <a:solidFill>
-                  <a:schemeClr val="tx1">
-                    <a:tint val="75000"/>
-                  </a:schemeClr>
-                </a:solidFill>
+              <a:rPr lang="bg-BG" sz="3600" dirty="0">
+                <a:solidFill>
+                  <a:schemeClr val="tx1">
+                    <a:lumMod val="65000"/>
+                    <a:lumOff val="35000"/>
+                  </a:schemeClr>
+                </a:solidFill>
+                <a:latin typeface="+mn-lt"/>
+                <a:ea typeface="+mn-ea"/>
+                <a:cs typeface="+mn-cs"/>
               </a:rPr>
             </a:br>
             <a:r>
-              <a:rPr lang="en-US" dirty="0" smtClean="0">
-                <a:solidFill>
-                  <a:schemeClr val="tx1">
-                    <a:tint val="75000"/>
-                  </a:schemeClr>
-                </a:solidFill>
+              <a:rPr lang="en-US" sz="3600" dirty="0">
+                <a:solidFill>
+                  <a:schemeClr val="tx1">
+                    <a:lumMod val="65000"/>
+                    <a:lumOff val="35000"/>
+                  </a:schemeClr>
+                </a:solidFill>
+                <a:latin typeface="+mn-lt"/>
+                <a:ea typeface="+mn-ea"/>
+                <a:cs typeface="+mn-cs"/>
               </a:rPr>
               <a:t> </a:t>
             </a:r>
             <a:r>
-              <a:rPr lang="en-US" sz="3600" dirty="0" err="1" smtClean="0">
-                <a:solidFill>
-                  <a:schemeClr val="tx1">
-                    <a:tint val="75000"/>
-                  </a:schemeClr>
-                </a:solidFill>
+              <a:rPr lang="en-US" sz="3600" dirty="0" err="1">
+                <a:solidFill>
+                  <a:schemeClr val="tx1">
+                    <a:lumMod val="65000"/>
+                    <a:lumOff val="35000"/>
+                  </a:schemeClr>
+                </a:solidFill>
+                <a:latin typeface="+mn-lt"/>
+                <a:ea typeface="+mn-ea"/>
+                <a:cs typeface="+mn-cs"/>
               </a:rPr>
               <a:t>Lubomir</a:t>
             </a:r>
             <a:r>
-              <a:rPr lang="en-US" sz="3600" dirty="0" smtClean="0">
-                <a:solidFill>
-                  <a:schemeClr val="tx1">
-                    <a:tint val="75000"/>
-                  </a:schemeClr>
-                </a:solidFill>
+              <a:rPr lang="en-US" sz="3600" dirty="0">
+                <a:solidFill>
+                  <a:schemeClr val="tx1">
+                    <a:lumMod val="65000"/>
+                    <a:lumOff val="35000"/>
+                  </a:schemeClr>
+                </a:solidFill>
+                <a:latin typeface="+mn-lt"/>
+                <a:ea typeface="+mn-ea"/>
+                <a:cs typeface="+mn-cs"/>
               </a:rPr>
               <a:t> </a:t>
             </a:r>
             <a:r>
-              <a:rPr lang="bg-BG" sz="3600" dirty="0" err="1" smtClean="0">
-                <a:solidFill>
-                  <a:schemeClr val="tx1">
-                    <a:tint val="75000"/>
-                  </a:schemeClr>
-                </a:solidFill>
+              <a:rPr lang="bg-BG" sz="3600" dirty="0" err="1">
+                <a:solidFill>
+                  <a:schemeClr val="tx1">
+                    <a:lumMod val="65000"/>
+                    <a:lumOff val="35000"/>
+                  </a:schemeClr>
+                </a:solidFill>
+                <a:latin typeface="+mn-lt"/>
+                <a:ea typeface="+mn-ea"/>
+                <a:cs typeface="+mn-cs"/>
               </a:rPr>
               <a:t>Vulev</a:t>
             </a:r>
             <a:r>
-              <a:rPr lang="bg-BG" sz="3600" dirty="0" smtClean="0">
-                <a:solidFill>
-                  <a:schemeClr val="tx1">
-                    <a:tint val="75000"/>
-                  </a:schemeClr>
-                </a:solidFill>
+              <a:rPr lang="bg-BG" sz="3600" dirty="0">
+                <a:solidFill>
+                  <a:schemeClr val="tx1">
+                    <a:lumMod val="65000"/>
+                    <a:lumOff val="35000"/>
+                  </a:schemeClr>
+                </a:solidFill>
+                <a:latin typeface="+mn-lt"/>
+                <a:ea typeface="+mn-ea"/>
+                <a:cs typeface="+mn-cs"/>
               </a:rPr>
               <a:t>, </a:t>
             </a:r>
             <a:br>
-              <a:rPr lang="bg-BG" sz="3600" dirty="0" smtClean="0">
-                <a:solidFill>
-                  <a:schemeClr val="tx1">
-                    <a:tint val="75000"/>
-                  </a:schemeClr>
-                </a:solidFill>
+              <a:rPr lang="bg-BG" sz="3600" dirty="0">
+                <a:solidFill>
+                  <a:schemeClr val="tx1">
+                    <a:lumMod val="65000"/>
+                    <a:lumOff val="35000"/>
+                  </a:schemeClr>
+                </a:solidFill>
+                <a:latin typeface="+mn-lt"/>
+                <a:ea typeface="+mn-ea"/>
+                <a:cs typeface="+mn-cs"/>
               </a:rPr>
             </a:br>
             <a:r>
-              <a:rPr lang="en-US" sz="3600" dirty="0" smtClean="0">
-                <a:solidFill>
-                  <a:schemeClr val="tx1">
-                    <a:tint val="75000"/>
-                  </a:schemeClr>
-                </a:solidFill>
+              <a:rPr lang="en-US" sz="3600" dirty="0">
+                <a:solidFill>
+                  <a:schemeClr val="tx1">
+                    <a:lumMod val="65000"/>
+                    <a:lumOff val="35000"/>
+                  </a:schemeClr>
+                </a:solidFill>
+                <a:latin typeface="+mn-lt"/>
+                <a:ea typeface="+mn-ea"/>
+                <a:cs typeface="+mn-cs"/>
               </a:rPr>
               <a:t> </a:t>
             </a:r>
             <a:r>
-              <a:rPr lang="bg-BG" sz="3600" dirty="0" err="1" smtClean="0">
-                <a:solidFill>
-                  <a:schemeClr val="tx1">
-                    <a:tint val="75000"/>
-                  </a:schemeClr>
-                </a:solidFill>
+              <a:rPr lang="bg-BG" sz="3600" dirty="0" err="1">
+                <a:solidFill>
+                  <a:schemeClr val="tx1">
+                    <a:lumMod val="65000"/>
+                    <a:lumOff val="35000"/>
+                  </a:schemeClr>
+                </a:solidFill>
+                <a:latin typeface="+mn-lt"/>
+                <a:ea typeface="+mn-ea"/>
+                <a:cs typeface="+mn-cs"/>
               </a:rPr>
               <a:t>Martin</a:t>
             </a:r>
             <a:r>
-              <a:rPr lang="bg-BG" sz="3600" dirty="0" smtClean="0">
-                <a:solidFill>
-                  <a:schemeClr val="tx1">
-                    <a:tint val="75000"/>
-                  </a:schemeClr>
-                </a:solidFill>
+              <a:rPr lang="bg-BG" sz="3600" dirty="0">
+                <a:solidFill>
+                  <a:schemeClr val="tx1">
+                    <a:lumMod val="65000"/>
+                    <a:lumOff val="35000"/>
+                  </a:schemeClr>
+                </a:solidFill>
+                <a:latin typeface="+mn-lt"/>
+                <a:ea typeface="+mn-ea"/>
+                <a:cs typeface="+mn-cs"/>
               </a:rPr>
               <a:t> </a:t>
             </a:r>
             <a:r>
-              <a:rPr lang="bg-BG" sz="3600" dirty="0" err="1" smtClean="0">
-                <a:solidFill>
-                  <a:schemeClr val="tx1">
-                    <a:tint val="75000"/>
-                  </a:schemeClr>
-                </a:solidFill>
+              <a:rPr lang="bg-BG" sz="3600" dirty="0" err="1">
+                <a:solidFill>
+                  <a:schemeClr val="tx1">
+                    <a:lumMod val="65000"/>
+                    <a:lumOff val="35000"/>
+                  </a:schemeClr>
+                </a:solidFill>
+                <a:latin typeface="+mn-lt"/>
+                <a:ea typeface="+mn-ea"/>
+                <a:cs typeface="+mn-cs"/>
               </a:rPr>
               <a:t>Georgiev</a:t>
             </a:r>
             <a:r>
-              <a:rPr lang="bg-BG" sz="3600" dirty="0" smtClean="0">
-                <a:solidFill>
-                  <a:schemeClr val="tx1">
-                    <a:tint val="75000"/>
-                  </a:schemeClr>
-                </a:solidFill>
+              <a:rPr lang="bg-BG" sz="3600" dirty="0">
+                <a:solidFill>
+                  <a:schemeClr val="tx1">
+                    <a:lumMod val="65000"/>
+                    <a:lumOff val="35000"/>
+                  </a:schemeClr>
+                </a:solidFill>
+                <a:latin typeface="+mn-lt"/>
+                <a:ea typeface="+mn-ea"/>
+                <a:cs typeface="+mn-cs"/>
               </a:rPr>
               <a:t> </a:t>
             </a:r>
             <a:br>
-              <a:rPr lang="bg-BG" sz="3600" dirty="0" smtClean="0">
-                <a:solidFill>
-                  <a:schemeClr val="tx1">
-                    <a:tint val="75000"/>
-                  </a:schemeClr>
-                </a:solidFill>
+              <a:rPr lang="bg-BG" sz="3600" dirty="0">
+                <a:solidFill>
+                  <a:schemeClr val="tx1">
+                    <a:lumMod val="65000"/>
+                    <a:lumOff val="35000"/>
+                  </a:schemeClr>
+                </a:solidFill>
+                <a:latin typeface="+mn-lt"/>
+                <a:ea typeface="+mn-ea"/>
+                <a:cs typeface="+mn-cs"/>
               </a:rPr>
             </a:br>
             <a:r>
-              <a:rPr lang="bg-BG" sz="3600" dirty="0" err="1" smtClean="0">
-                <a:solidFill>
-                  <a:schemeClr val="tx1">
-                    <a:tint val="75000"/>
-                  </a:schemeClr>
-                </a:solidFill>
+              <a:rPr lang="bg-BG" sz="3600" dirty="0" err="1">
+                <a:solidFill>
+                  <a:schemeClr val="tx1">
+                    <a:lumMod val="65000"/>
+                    <a:lumOff val="35000"/>
+                  </a:schemeClr>
+                </a:solidFill>
+                <a:latin typeface="+mn-lt"/>
+                <a:ea typeface="+mn-ea"/>
+                <a:cs typeface="+mn-cs"/>
               </a:rPr>
               <a:t>and</a:t>
             </a:r>
             <a:r>
-              <a:rPr lang="bg-BG" sz="3600" dirty="0" smtClean="0">
-                <a:solidFill>
-                  <a:schemeClr val="tx1">
-                    <a:tint val="75000"/>
-                  </a:schemeClr>
-                </a:solidFill>
+              <a:rPr lang="bg-BG" sz="3600" dirty="0">
+                <a:solidFill>
+                  <a:schemeClr val="tx1">
+                    <a:lumMod val="65000"/>
+                    <a:lumOff val="35000"/>
+                  </a:schemeClr>
+                </a:solidFill>
+                <a:latin typeface="+mn-lt"/>
+                <a:ea typeface="+mn-ea"/>
+                <a:cs typeface="+mn-cs"/>
               </a:rPr>
               <a:t> </a:t>
             </a:r>
             <a:r>
-              <a:rPr lang="en-US" sz="3600" dirty="0" smtClean="0">
-                <a:solidFill>
-                  <a:schemeClr val="tx1">
-                    <a:tint val="75000"/>
-                  </a:schemeClr>
-                </a:solidFill>
+              <a:rPr lang="en-US" sz="3600" dirty="0">
+                <a:solidFill>
+                  <a:schemeClr val="tx1">
+                    <a:lumMod val="65000"/>
+                    <a:lumOff val="35000"/>
+                  </a:schemeClr>
+                </a:solidFill>
+                <a:latin typeface="+mn-lt"/>
+                <a:ea typeface="+mn-ea"/>
+                <a:cs typeface="+mn-cs"/>
               </a:rPr>
               <a:t/>
             </a:r>
             <a:br>
-              <a:rPr lang="en-US" sz="3600" dirty="0" smtClean="0">
-                <a:solidFill>
-                  <a:schemeClr val="tx1">
-                    <a:tint val="75000"/>
-                  </a:schemeClr>
-                </a:solidFill>
+              <a:rPr lang="en-US" sz="3600" dirty="0">
+                <a:solidFill>
+                  <a:schemeClr val="tx1">
+                    <a:lumMod val="65000"/>
+                    <a:lumOff val="35000"/>
+                  </a:schemeClr>
+                </a:solidFill>
+                <a:latin typeface="+mn-lt"/>
+                <a:ea typeface="+mn-ea"/>
+                <a:cs typeface="+mn-cs"/>
               </a:rPr>
             </a:br>
             <a:r>
-              <a:rPr lang="en-US" sz="3600" dirty="0" smtClean="0">
-                <a:solidFill>
-                  <a:schemeClr val="tx1">
-                    <a:tint val="75000"/>
-                  </a:schemeClr>
-                </a:solidFill>
+              <a:rPr lang="en-US" sz="3600" dirty="0">
+                <a:solidFill>
+                  <a:schemeClr val="tx1">
+                    <a:lumMod val="65000"/>
+                    <a:lumOff val="35000"/>
+                  </a:schemeClr>
+                </a:solidFill>
+                <a:latin typeface="+mn-lt"/>
+                <a:ea typeface="+mn-ea"/>
+                <a:cs typeface="+mn-cs"/>
               </a:rPr>
               <a:t> </a:t>
             </a:r>
             <a:r>
-              <a:rPr lang="bg-BG" sz="3600" dirty="0" err="1" smtClean="0">
-                <a:solidFill>
-                  <a:schemeClr val="tx1">
-                    <a:tint val="75000"/>
-                  </a:schemeClr>
-                </a:solidFill>
+              <a:rPr lang="bg-BG" sz="3600" dirty="0" err="1">
+                <a:solidFill>
+                  <a:schemeClr val="tx1">
+                    <a:lumMod val="65000"/>
+                    <a:lumOff val="35000"/>
+                  </a:schemeClr>
+                </a:solidFill>
+                <a:latin typeface="+mn-lt"/>
+                <a:ea typeface="+mn-ea"/>
+                <a:cs typeface="+mn-cs"/>
               </a:rPr>
               <a:t>Milena</a:t>
             </a:r>
             <a:r>
-              <a:rPr lang="bg-BG" sz="3600" dirty="0" smtClean="0">
-                <a:solidFill>
-                  <a:schemeClr val="tx1">
-                    <a:tint val="75000"/>
-                  </a:schemeClr>
-                </a:solidFill>
+              <a:rPr lang="bg-BG" sz="3600" dirty="0">
+                <a:solidFill>
+                  <a:schemeClr val="tx1">
+                    <a:lumMod val="65000"/>
+                    <a:lumOff val="35000"/>
+                  </a:schemeClr>
+                </a:solidFill>
+                <a:latin typeface="+mn-lt"/>
+                <a:ea typeface="+mn-ea"/>
+                <a:cs typeface="+mn-cs"/>
               </a:rPr>
               <a:t> </a:t>
             </a:r>
             <a:r>
-              <a:rPr lang="bg-BG" sz="3600" dirty="0" err="1" smtClean="0">
-                <a:solidFill>
-                  <a:schemeClr val="tx1">
-                    <a:tint val="75000"/>
-                  </a:schemeClr>
-                </a:solidFill>
+              <a:rPr lang="bg-BG" sz="3600" dirty="0" err="1">
+                <a:solidFill>
+                  <a:schemeClr val="tx1">
+                    <a:lumMod val="65000"/>
+                    <a:lumOff val="35000"/>
+                  </a:schemeClr>
+                </a:solidFill>
+                <a:latin typeface="+mn-lt"/>
+                <a:ea typeface="+mn-ea"/>
+                <a:cs typeface="+mn-cs"/>
               </a:rPr>
               <a:t>Ancheva</a:t>
             </a:r>
             <a:r>
-              <a:rPr kumimoji="0" lang="bg-BG" sz="3600" b="0" i="0" u="none" strike="noStrike" cap="none" normalizeH="0" baseline="0" dirty="0" smtClean="0">
-                <a:ln>
-                  <a:noFill/>
-                </a:ln>
-                <a:solidFill>
-                  <a:schemeClr val="tx1"/>
-                </a:solidFill>
-                <a:effectLst/>
-                <a:latin typeface="Arial" pitchFamily="34" charset="0"/>
-                <a:cs typeface="Arial" pitchFamily="34" charset="0"/>
+              <a:rPr lang="bg-BG" sz="3600" dirty="0">
+                <a:solidFill>
+                  <a:schemeClr val="tx1">
+                    <a:lumMod val="65000"/>
+                    <a:lumOff val="35000"/>
+                  </a:schemeClr>
+                </a:solidFill>
+                <a:latin typeface="+mn-lt"/>
+                <a:ea typeface="+mn-ea"/>
+                <a:cs typeface="+mn-cs"/>
               </a:rPr>
               <a:t> </a:t>
             </a:r>
             <a:r>
-              <a:rPr kumimoji="0" lang="en-US" sz="3600" b="0" i="0" u="none" strike="noStrike" cap="none" normalizeH="0" baseline="0" dirty="0" smtClean="0">
-                <a:ln>
-                  <a:noFill/>
-                </a:ln>
-                <a:solidFill>
-                  <a:schemeClr val="tx1"/>
-                </a:solidFill>
-                <a:effectLst/>
-                <a:latin typeface="Arial" pitchFamily="34" charset="0"/>
-                <a:cs typeface="Arial" pitchFamily="34" charset="0"/>
+              <a:rPr lang="en-US" sz="3600" dirty="0">
+                <a:solidFill>
+                  <a:schemeClr val="tx1">
+                    <a:lumMod val="65000"/>
+                    <a:lumOff val="35000"/>
+                  </a:schemeClr>
+                </a:solidFill>
+                <a:latin typeface="+mn-lt"/>
+                <a:ea typeface="+mn-ea"/>
+                <a:cs typeface="+mn-cs"/>
               </a:rPr>
               <a:t/>
             </a:r>
             <a:br>
-              <a:rPr kumimoji="0" lang="en-US" sz="3600" b="0" i="0" u="none" strike="noStrike" cap="none" normalizeH="0" baseline="0" dirty="0" smtClean="0">
-                <a:ln>
-                  <a:noFill/>
-                </a:ln>
-                <a:solidFill>
-                  <a:schemeClr val="tx1"/>
-                </a:solidFill>
-                <a:effectLst/>
-                <a:latin typeface="Arial" pitchFamily="34" charset="0"/>
-                <a:cs typeface="Arial" pitchFamily="34" charset="0"/>
+              <a:rPr lang="en-US" sz="3600" dirty="0">
+                <a:solidFill>
+                  <a:schemeClr val="tx1">
+                    <a:lumMod val="65000"/>
+                    <a:lumOff val="35000"/>
+                  </a:schemeClr>
+                </a:solidFill>
+                <a:latin typeface="+mn-lt"/>
+                <a:ea typeface="+mn-ea"/>
+                <a:cs typeface="+mn-cs"/>
               </a:rPr>
             </a:br>
             <a:r>
-              <a:rPr kumimoji="0" lang="bg-BG" sz="3600" b="0" i="0" u="none" strike="noStrike" cap="none" normalizeH="0" baseline="0" dirty="0" smtClean="0">
-                <a:ln>
-                  <a:noFill/>
-                </a:ln>
-                <a:solidFill>
-                  <a:schemeClr val="tx1"/>
-                </a:solidFill>
-                <a:effectLst/>
-                <a:latin typeface="Arial" pitchFamily="34" charset="0"/>
-                <a:cs typeface="Arial" pitchFamily="34" charset="0"/>
+              <a:rPr lang="bg-BG" sz="3600" dirty="0">
+                <a:solidFill>
+                  <a:schemeClr val="tx1">
+                    <a:lumMod val="65000"/>
+                    <a:lumOff val="35000"/>
+                  </a:schemeClr>
+                </a:solidFill>
+                <a:latin typeface="+mn-lt"/>
+                <a:ea typeface="+mn-ea"/>
+                <a:cs typeface="+mn-cs"/>
               </a:rPr>
               <a:t/>
             </a:r>
             <a:br>
-              <a:rPr kumimoji="0" lang="bg-BG" sz="3600" b="0" i="0" u="none" strike="noStrike" cap="none" normalizeH="0" baseline="0" dirty="0" smtClean="0">
-                <a:ln>
-                  <a:noFill/>
-                </a:ln>
-                <a:solidFill>
-                  <a:schemeClr val="tx1"/>
-                </a:solidFill>
-                <a:effectLst/>
-                <a:latin typeface="Arial" pitchFamily="34" charset="0"/>
-                <a:cs typeface="Arial" pitchFamily="34" charset="0"/>
+              <a:rPr lang="bg-BG" sz="3600" dirty="0">
+                <a:solidFill>
+                  <a:schemeClr val="tx1">
+                    <a:lumMod val="65000"/>
+                    <a:lumOff val="35000"/>
+                  </a:schemeClr>
+                </a:solidFill>
+                <a:latin typeface="+mn-lt"/>
+                <a:ea typeface="+mn-ea"/>
+                <a:cs typeface="+mn-cs"/>
               </a:rPr>
             </a:br>
             <a:r>
-              <a:rPr lang="en-US" sz="1100" dirty="0">
-                <a:latin typeface="Arial" pitchFamily="34" charset="0"/>
-                <a:cs typeface="Arial" pitchFamily="34" charset="0"/>
+              <a:rPr lang="en-US" sz="3600" dirty="0">
+                <a:solidFill>
+                  <a:schemeClr val="tx1">
+                    <a:lumMod val="65000"/>
+                    <a:lumOff val="35000"/>
+                  </a:schemeClr>
+                </a:solidFill>
+                <a:latin typeface="+mn-lt"/>
+                <a:ea typeface="+mn-ea"/>
+                <a:cs typeface="+mn-cs"/>
               </a:rPr>
               <a:t/>
             </a:r>
             <a:br>
-              <a:rPr lang="en-US" sz="1100" dirty="0">
-                <a:latin typeface="Arial" pitchFamily="34" charset="0"/>
-                <a:cs typeface="Arial" pitchFamily="34" charset="0"/>
+              <a:rPr lang="en-US" sz="3600" dirty="0">
+                <a:solidFill>
+                  <a:schemeClr val="tx1">
+                    <a:lumMod val="65000"/>
+                    <a:lumOff val="35000"/>
+                  </a:schemeClr>
+                </a:solidFill>
+                <a:latin typeface="+mn-lt"/>
+                <a:ea typeface="+mn-ea"/>
+                <a:cs typeface="+mn-cs"/>
               </a:rPr>
             </a:br>
             <a:r>
-              <a:rPr lang="en-US" sz="4000" dirty="0" smtClean="0">
-                <a:solidFill>
-                  <a:schemeClr val="tx1">
-                    <a:tint val="75000"/>
-                  </a:schemeClr>
-                </a:solidFill>
+              <a:rPr lang="en-US" sz="3600" dirty="0">
+                <a:solidFill>
+                  <a:schemeClr val="tx1">
+                    <a:lumMod val="65000"/>
+                    <a:lumOff val="35000"/>
+                  </a:schemeClr>
+                </a:solidFill>
+                <a:latin typeface="+mn-lt"/>
+                <a:ea typeface="+mn-ea"/>
+                <a:cs typeface="+mn-cs"/>
               </a:rPr>
               <a:t>Thank you for your attention!</a:t>
+            </a:r>
+            <a:r>
+              <a:rPr lang="en-US" sz="4000" dirty="0" smtClean="0">
+                <a:solidFill>
+                  <a:schemeClr val="tx1">
+                    <a:tint val="75000"/>
+                  </a:schemeClr>
+                </a:solidFill>
+              </a:rPr>
+              <a:t/>
             </a:r>
             <a:br>
               <a:rPr lang="en-US" sz="4000" dirty="0" smtClean="0">
